--- a/project/results.pptx
+++ b/project/results.pptx
@@ -137,6 +137,11 @@
       </a:defRPr>
     </a:lvl9pPr>
   </p:defaultTextStyle>
+  <p:extLst>
+    <p:ext uri="{EFAFB233-063F-42B5-8137-9DF3F51BA10A}">
+      <p15:sldGuideLst xmlns:p15="http://schemas.microsoft.com/office/powerpoint/2012/main"/>
+    </p:ext>
+  </p:extLst>
 </p:presentation>
 </file>
 
@@ -222,7 +227,7 @@
           <a:p>
             <a:fld id="{6F9A8802-EB75-CD41-92D1-35553B073B11}" type="datetimeFigureOut">
               <a:rPr lang="en-US" smtClean="0"/>
-              <a:t>4/26/22</a:t>
+              <a:t>4/27/22</a:t>
             </a:fld>
             <a:endParaRPr lang="en-US"/>
           </a:p>
@@ -720,7 +725,7 @@
           <a:p>
             <a:fld id="{2897BAD5-8977-774E-8EF4-55ACBB9D53A3}" type="datetimeFigureOut">
               <a:rPr lang="en-US" smtClean="0"/>
-              <a:t>4/26/22</a:t>
+              <a:t>4/27/22</a:t>
             </a:fld>
             <a:endParaRPr lang="en-US"/>
           </a:p>
@@ -918,7 +923,7 @@
           <a:p>
             <a:fld id="{2897BAD5-8977-774E-8EF4-55ACBB9D53A3}" type="datetimeFigureOut">
               <a:rPr lang="en-US" smtClean="0"/>
-              <a:t>4/26/22</a:t>
+              <a:t>4/27/22</a:t>
             </a:fld>
             <a:endParaRPr lang="en-US"/>
           </a:p>
@@ -1126,7 +1131,7 @@
           <a:p>
             <a:fld id="{2897BAD5-8977-774E-8EF4-55ACBB9D53A3}" type="datetimeFigureOut">
               <a:rPr lang="en-US" smtClean="0"/>
-              <a:t>4/26/22</a:t>
+              <a:t>4/27/22</a:t>
             </a:fld>
             <a:endParaRPr lang="en-US"/>
           </a:p>
@@ -1324,7 +1329,7 @@
           <a:p>
             <a:fld id="{2897BAD5-8977-774E-8EF4-55ACBB9D53A3}" type="datetimeFigureOut">
               <a:rPr lang="en-US" smtClean="0"/>
-              <a:t>4/26/22</a:t>
+              <a:t>4/27/22</a:t>
             </a:fld>
             <a:endParaRPr lang="en-US"/>
           </a:p>
@@ -1599,7 +1604,7 @@
           <a:p>
             <a:fld id="{2897BAD5-8977-774E-8EF4-55ACBB9D53A3}" type="datetimeFigureOut">
               <a:rPr lang="en-US" smtClean="0"/>
-              <a:t>4/26/22</a:t>
+              <a:t>4/27/22</a:t>
             </a:fld>
             <a:endParaRPr lang="en-US"/>
           </a:p>
@@ -1864,7 +1869,7 @@
           <a:p>
             <a:fld id="{2897BAD5-8977-774E-8EF4-55ACBB9D53A3}" type="datetimeFigureOut">
               <a:rPr lang="en-US" smtClean="0"/>
-              <a:t>4/26/22</a:t>
+              <a:t>4/27/22</a:t>
             </a:fld>
             <a:endParaRPr lang="en-US"/>
           </a:p>
@@ -2276,7 +2281,7 @@
           <a:p>
             <a:fld id="{2897BAD5-8977-774E-8EF4-55ACBB9D53A3}" type="datetimeFigureOut">
               <a:rPr lang="en-US" smtClean="0"/>
-              <a:t>4/26/22</a:t>
+              <a:t>4/27/22</a:t>
             </a:fld>
             <a:endParaRPr lang="en-US"/>
           </a:p>
@@ -2417,7 +2422,7 @@
           <a:p>
             <a:fld id="{2897BAD5-8977-774E-8EF4-55ACBB9D53A3}" type="datetimeFigureOut">
               <a:rPr lang="en-US" smtClean="0"/>
-              <a:t>4/26/22</a:t>
+              <a:t>4/27/22</a:t>
             </a:fld>
             <a:endParaRPr lang="en-US"/>
           </a:p>
@@ -2530,7 +2535,7 @@
           <a:p>
             <a:fld id="{2897BAD5-8977-774E-8EF4-55ACBB9D53A3}" type="datetimeFigureOut">
               <a:rPr lang="en-US" smtClean="0"/>
-              <a:t>4/26/22</a:t>
+              <a:t>4/27/22</a:t>
             </a:fld>
             <a:endParaRPr lang="en-US"/>
           </a:p>
@@ -2841,7 +2846,7 @@
           <a:p>
             <a:fld id="{2897BAD5-8977-774E-8EF4-55ACBB9D53A3}" type="datetimeFigureOut">
               <a:rPr lang="en-US" smtClean="0"/>
-              <a:t>4/26/22</a:t>
+              <a:t>4/27/22</a:t>
             </a:fld>
             <a:endParaRPr lang="en-US"/>
           </a:p>
@@ -3129,7 +3134,7 @@
           <a:p>
             <a:fld id="{2897BAD5-8977-774E-8EF4-55ACBB9D53A3}" type="datetimeFigureOut">
               <a:rPr lang="en-US" smtClean="0"/>
-              <a:t>4/26/22</a:t>
+              <a:t>4/27/22</a:t>
             </a:fld>
             <a:endParaRPr lang="en-US"/>
           </a:p>
@@ -3370,7 +3375,7 @@
           <a:p>
             <a:fld id="{2897BAD5-8977-774E-8EF4-55ACBB9D53A3}" type="datetimeFigureOut">
               <a:rPr lang="en-US" smtClean="0"/>
-              <a:t>4/26/22</a:t>
+              <a:t>4/27/22</a:t>
             </a:fld>
             <a:endParaRPr lang="en-US"/>
           </a:p>
@@ -4693,8 +4698,8 @@
           </a:p>
         </p:txBody>
       </p:sp>
-      <mc:AlternateContent xmlns:mc="http://schemas.openxmlformats.org/markup-compatibility/2006">
-        <mc:Choice xmlns:a14="http://schemas.microsoft.com/office/drawing/2010/main" Requires="a14">
+      <mc:AlternateContent xmlns:mc="http://schemas.openxmlformats.org/markup-compatibility/2006" xmlns:a14="http://schemas.microsoft.com/office/drawing/2010/main">
+        <mc:Choice Requires="a14">
           <p:sp>
             <p:nvSpPr>
               <p:cNvPr id="3" name="Content Placeholder 2">
@@ -5056,19 +5061,7 @@
                           <a:rPr lang="en-US" b="0" i="1" smtClean="0">
                             <a:latin typeface="Cambria Math" panose="02040503050406030204" pitchFamily="18" charset="0"/>
                           </a:rPr>
-                          <m:t>⁡(3</m:t>
-                        </m:r>
-                        <m:r>
-                          <a:rPr lang="en-US" b="0" i="1" smtClean="0">
-                            <a:latin typeface="Cambria Math" panose="02040503050406030204" pitchFamily="18" charset="0"/>
-                          </a:rPr>
-                          <m:t>1</m:t>
-                        </m:r>
-                        <m:r>
-                          <a:rPr lang="en-US" b="0" i="1" smtClean="0">
-                            <a:latin typeface="Cambria Math" panose="02040503050406030204" pitchFamily="18" charset="0"/>
-                          </a:rPr>
-                          <m:t>)|</m:t>
+                          <m:t>⁡(31)|</m:t>
                         </m:r>
                       </m:sup>
                     </m:sSup>
@@ -5076,13 +5069,7 @@
                       <a:rPr lang="en-US" b="0" i="1" smtClean="0">
                         <a:latin typeface="Cambria Math" panose="02040503050406030204" pitchFamily="18" charset="0"/>
                       </a:rPr>
-                      <m:t>=</m:t>
-                    </m:r>
-                    <m:r>
-                      <a:rPr lang="en-US" b="0" i="1" smtClean="0">
-                        <a:latin typeface="Cambria Math" panose="02040503050406030204" pitchFamily="18" charset="0"/>
-                      </a:rPr>
-                      <m:t>.47</m:t>
+                      <m:t>=.47</m:t>
                     </m:r>
                   </m:oMath>
                 </a14:m>
@@ -5282,13 +5269,7 @@
                       <a:rPr lang="en-US" b="0" i="1" smtClean="0">
                         <a:latin typeface="Cambria Math" panose="02040503050406030204" pitchFamily="18" charset="0"/>
                       </a:rPr>
-                      <m:t>= .</m:t>
-                    </m:r>
-                    <m:r>
-                      <a:rPr lang="en-US" b="0" i="1" smtClean="0">
-                        <a:latin typeface="Cambria Math" panose="02040503050406030204" pitchFamily="18" charset="0"/>
-                      </a:rPr>
-                      <m:t>32</m:t>
+                      <m:t>= .32</m:t>
                     </m:r>
                   </m:oMath>
                 </a14:m>
@@ -5318,7 +5299,7 @@
             </p:txBody>
           </p:sp>
         </mc:Choice>
-        <mc:Fallback>
+        <mc:Fallback xmlns="">
           <p:sp>
             <p:nvSpPr>
               <p:cNvPr id="3" name="Content Placeholder 2">
@@ -6275,6 +6256,214 @@
   <p:clrMapOvr>
     <a:masterClrMapping/>
   </p:clrMapOvr>
+  <p:timing>
+    <p:tnLst>
+      <p:par>
+        <p:cTn id="1" dur="indefinite" restart="never" nodeType="tmRoot">
+          <p:childTnLst>
+            <p:seq concurrent="1" nextAc="seek">
+              <p:cTn id="2" dur="indefinite" nodeType="mainSeq">
+                <p:childTnLst>
+                  <p:par>
+                    <p:cTn id="3" fill="hold">
+                      <p:stCondLst>
+                        <p:cond delay="indefinite"/>
+                      </p:stCondLst>
+                      <p:childTnLst>
+                        <p:par>
+                          <p:cTn id="4" fill="hold">
+                            <p:stCondLst>
+                              <p:cond delay="0"/>
+                            </p:stCondLst>
+                            <p:childTnLst>
+                              <p:par>
+                                <p:cTn id="5" presetID="1" presetClass="entr" presetSubtype="0" fill="hold" nodeType="clickEffect">
+                                  <p:stCondLst>
+                                    <p:cond delay="0"/>
+                                  </p:stCondLst>
+                                  <p:childTnLst>
+                                    <p:set>
+                                      <p:cBhvr>
+                                        <p:cTn id="6" dur="1" fill="hold">
+                                          <p:stCondLst>
+                                            <p:cond delay="0"/>
+                                          </p:stCondLst>
+                                        </p:cTn>
+                                        <p:tgtEl>
+                                          <p:spTgt spid="3">
+                                            <p:txEl>
+                                              <p:pRg st="0" end="0"/>
+                                            </p:txEl>
+                                          </p:spTgt>
+                                        </p:tgtEl>
+                                        <p:attrNameLst>
+                                          <p:attrName>style.visibility</p:attrName>
+                                        </p:attrNameLst>
+                                      </p:cBhvr>
+                                      <p:to>
+                                        <p:strVal val="visible"/>
+                                      </p:to>
+                                    </p:set>
+                                  </p:childTnLst>
+                                </p:cTn>
+                              </p:par>
+                            </p:childTnLst>
+                          </p:cTn>
+                        </p:par>
+                      </p:childTnLst>
+                    </p:cTn>
+                  </p:par>
+                  <p:par>
+                    <p:cTn id="7" fill="hold">
+                      <p:stCondLst>
+                        <p:cond delay="indefinite"/>
+                      </p:stCondLst>
+                      <p:childTnLst>
+                        <p:par>
+                          <p:cTn id="8" fill="hold">
+                            <p:stCondLst>
+                              <p:cond delay="0"/>
+                            </p:stCondLst>
+                            <p:childTnLst>
+                              <p:par>
+                                <p:cTn id="9" presetID="1" presetClass="entr" presetSubtype="0" fill="hold" nodeType="clickEffect">
+                                  <p:stCondLst>
+                                    <p:cond delay="0"/>
+                                  </p:stCondLst>
+                                  <p:childTnLst>
+                                    <p:set>
+                                      <p:cBhvr>
+                                        <p:cTn id="10" dur="1" fill="hold">
+                                          <p:stCondLst>
+                                            <p:cond delay="0"/>
+                                          </p:stCondLst>
+                                        </p:cTn>
+                                        <p:tgtEl>
+                                          <p:spTgt spid="3">
+                                            <p:txEl>
+                                              <p:pRg st="1" end="1"/>
+                                            </p:txEl>
+                                          </p:spTgt>
+                                        </p:tgtEl>
+                                        <p:attrNameLst>
+                                          <p:attrName>style.visibility</p:attrName>
+                                        </p:attrNameLst>
+                                      </p:cBhvr>
+                                      <p:to>
+                                        <p:strVal val="visible"/>
+                                      </p:to>
+                                    </p:set>
+                                  </p:childTnLst>
+                                </p:cTn>
+                              </p:par>
+                              <p:par>
+                                <p:cTn id="11" presetID="1" presetClass="entr" presetSubtype="0" fill="hold" nodeType="withEffect">
+                                  <p:stCondLst>
+                                    <p:cond delay="0"/>
+                                  </p:stCondLst>
+                                  <p:childTnLst>
+                                    <p:set>
+                                      <p:cBhvr>
+                                        <p:cTn id="12" dur="1" fill="hold">
+                                          <p:stCondLst>
+                                            <p:cond delay="0"/>
+                                          </p:stCondLst>
+                                        </p:cTn>
+                                        <p:tgtEl>
+                                          <p:spTgt spid="3">
+                                            <p:txEl>
+                                              <p:pRg st="2" end="2"/>
+                                            </p:txEl>
+                                          </p:spTgt>
+                                        </p:tgtEl>
+                                        <p:attrNameLst>
+                                          <p:attrName>style.visibility</p:attrName>
+                                        </p:attrNameLst>
+                                      </p:cBhvr>
+                                      <p:to>
+                                        <p:strVal val="visible"/>
+                                      </p:to>
+                                    </p:set>
+                                  </p:childTnLst>
+                                </p:cTn>
+                              </p:par>
+                            </p:childTnLst>
+                          </p:cTn>
+                        </p:par>
+                      </p:childTnLst>
+                    </p:cTn>
+                  </p:par>
+                  <p:par>
+                    <p:cTn id="13" fill="hold">
+                      <p:stCondLst>
+                        <p:cond delay="indefinite"/>
+                      </p:stCondLst>
+                      <p:childTnLst>
+                        <p:par>
+                          <p:cTn id="14" fill="hold">
+                            <p:stCondLst>
+                              <p:cond delay="0"/>
+                            </p:stCondLst>
+                            <p:childTnLst>
+                              <p:par>
+                                <p:cTn id="15" presetID="1" presetClass="entr" presetSubtype="0" fill="hold" nodeType="clickEffect">
+                                  <p:stCondLst>
+                                    <p:cond delay="0"/>
+                                  </p:stCondLst>
+                                  <p:childTnLst>
+                                    <p:set>
+                                      <p:cBhvr>
+                                        <p:cTn id="16" dur="1" fill="hold">
+                                          <p:stCondLst>
+                                            <p:cond delay="0"/>
+                                          </p:stCondLst>
+                                        </p:cTn>
+                                        <p:tgtEl>
+                                          <p:spTgt spid="3">
+                                            <p:txEl>
+                                              <p:pRg st="3" end="3"/>
+                                            </p:txEl>
+                                          </p:spTgt>
+                                        </p:tgtEl>
+                                        <p:attrNameLst>
+                                          <p:attrName>style.visibility</p:attrName>
+                                        </p:attrNameLst>
+                                      </p:cBhvr>
+                                      <p:to>
+                                        <p:strVal val="visible"/>
+                                      </p:to>
+                                    </p:set>
+                                  </p:childTnLst>
+                                </p:cTn>
+                              </p:par>
+                            </p:childTnLst>
+                          </p:cTn>
+                        </p:par>
+                      </p:childTnLst>
+                    </p:cTn>
+                  </p:par>
+                </p:childTnLst>
+              </p:cTn>
+              <p:prevCondLst>
+                <p:cond evt="onPrev" delay="0">
+                  <p:tgtEl>
+                    <p:sldTgt/>
+                  </p:tgtEl>
+                </p:cond>
+              </p:prevCondLst>
+              <p:nextCondLst>
+                <p:cond evt="onNext" delay="0">
+                  <p:tgtEl>
+                    <p:sldTgt/>
+                  </p:tgtEl>
+                </p:cond>
+              </p:nextCondLst>
+            </p:seq>
+          </p:childTnLst>
+        </p:cTn>
+      </p:par>
+    </p:tnLst>
+  </p:timing>
 </p:sld>
 </file>
 
@@ -7284,10 +7473,10 @@
       </p:sp>
       <p:pic>
         <p:nvPicPr>
-          <p:cNvPr id="10" name="Content Placeholder 9">
-            <a:extLst>
-              <a:ext uri="{FF2B5EF4-FFF2-40B4-BE49-F238E27FC236}">
-                <a16:creationId xmlns:a16="http://schemas.microsoft.com/office/drawing/2014/main" id="{8B7CE15A-748F-91CC-622E-F3677A02C9AE}"/>
+          <p:cNvPr id="6" name="Content Placeholder 5">
+            <a:extLst>
+              <a:ext uri="{FF2B5EF4-FFF2-40B4-BE49-F238E27FC236}">
+                <a16:creationId xmlns:a16="http://schemas.microsoft.com/office/drawing/2014/main" id="{19EAF672-896E-07D9-DB28-E4201932C825}"/>
               </a:ext>
             </a:extLst>
           </p:cNvPr>
